--- a/yuedu/托福阅读第三讲-Rhetoric Purpose Questions - 副本.pptx
+++ b/yuedu/托福阅读第三讲-Rhetoric Purpose Questions - 副本.pptx
@@ -278,7 +278,7 @@
             <a:fld id="{69F2C009-255A-4E59-A1AF-823DD11320F1}" type="datetimeFigureOut">
               <a:rPr lang="zh-CN" altLang="en-US" smtClean="0"/>
               <a:pPr/>
-              <a:t>2020/3/11</a:t>
+              <a:t>2023/7/20</a:t>
             </a:fld>
             <a:endParaRPr lang="zh-CN" altLang="en-US"/>
           </a:p>
@@ -5797,18 +5797,14 @@
               </a:rPr>
               <a:t>valediction n. </a:t>
             </a:r>
-          </a:p>
-          <a:p>
-            <a:r>
-              <a:rPr lang="en-US" altLang="zh-CN" sz="4400" dirty="0">
-                <a:solidFill>
-                  <a:schemeClr val="bg1"/>
-                </a:solidFill>
-              </a:rPr>
-              <a:t>verdict n. </a:t>
-            </a:r>
-          </a:p>
-          <a:p>
+            <a:r>
+              <a:rPr lang="zh-CN" altLang="en-US" sz="4400" dirty="0">
+                <a:solidFill>
+                  <a:schemeClr val="bg1"/>
+                </a:solidFill>
+              </a:rPr>
+              <a:t>  告别</a:t>
+            </a:r>
             <a:endParaRPr lang="en-US" altLang="zh-CN" sz="4400" dirty="0">
               <a:solidFill>
                 <a:schemeClr val="bg1"/>
@@ -5822,6 +5818,36 @@
                   <a:schemeClr val="bg1"/>
                 </a:solidFill>
               </a:rPr>
+              <a:t>verdict n. </a:t>
+            </a:r>
+            <a:r>
+              <a:rPr lang="zh-CN" altLang="en-US" sz="4400" dirty="0">
+                <a:solidFill>
+                  <a:schemeClr val="bg1"/>
+                </a:solidFill>
+              </a:rPr>
+              <a:t> 裁定 ，结论</a:t>
+            </a:r>
+            <a:endParaRPr lang="en-US" altLang="zh-CN" sz="4400" dirty="0">
+              <a:solidFill>
+                <a:schemeClr val="bg1"/>
+              </a:solidFill>
+            </a:endParaRPr>
+          </a:p>
+          <a:p>
+            <a:endParaRPr lang="en-US" altLang="zh-CN" sz="4400" dirty="0">
+              <a:solidFill>
+                <a:schemeClr val="bg1"/>
+              </a:solidFill>
+            </a:endParaRPr>
+          </a:p>
+          <a:p>
+            <a:r>
+              <a:rPr lang="en-US" altLang="zh-CN" sz="4400" dirty="0">
+                <a:solidFill>
+                  <a:schemeClr val="bg1"/>
+                </a:solidFill>
+              </a:rPr>
               <a:t>In 1741 Catherine the Great issued an </a:t>
             </a:r>
             <a:r>
@@ -5868,6 +5894,38 @@
             </a:r>
           </a:p>
           <a:p>
+            <a:r>
+              <a:rPr lang="en-US" altLang="zh-CN" sz="4400" dirty="0">
+                <a:solidFill>
+                  <a:schemeClr val="bg1"/>
+                </a:solidFill>
+              </a:rPr>
+              <a:t>Edit</a:t>
+            </a:r>
+            <a:r>
+              <a:rPr lang="zh-CN" altLang="en-US" sz="4400" dirty="0">
+                <a:solidFill>
+                  <a:schemeClr val="bg1"/>
+                </a:solidFill>
+              </a:rPr>
+              <a:t> 法令， </a:t>
+            </a:r>
+            <a:r>
+              <a:rPr lang="en-US" altLang="zh-CN" sz="4400" dirty="0">
+                <a:solidFill>
+                  <a:schemeClr val="bg1"/>
+                </a:solidFill>
+              </a:rPr>
+              <a:t>abdicate</a:t>
+            </a:r>
+            <a:r>
+              <a:rPr lang="zh-CN" altLang="en-US" sz="4400" dirty="0">
+                <a:solidFill>
+                  <a:schemeClr val="bg1"/>
+                </a:solidFill>
+              </a:rPr>
+              <a:t> 放弃</a:t>
+            </a:r>
             <a:endParaRPr lang="en-US" altLang="zh-CN" sz="4400" dirty="0">
               <a:solidFill>
                 <a:schemeClr val="bg1"/>
@@ -6230,6 +6288,67 @@
                       </p:childTnLst>
                     </p:cTn>
                   </p:par>
+                  <p:par>
+                    <p:cTn id="28" fill="hold">
+                      <p:stCondLst>
+                        <p:cond delay="indefinite"/>
+                      </p:stCondLst>
+                      <p:childTnLst>
+                        <p:par>
+                          <p:cTn id="29" fill="hold">
+                            <p:stCondLst>
+                              <p:cond delay="0"/>
+                            </p:stCondLst>
+                            <p:childTnLst>
+                              <p:par>
+                                <p:cTn id="30" presetID="3" presetClass="entr" presetSubtype="10" fill="hold" nodeType="clickEffect">
+                                  <p:stCondLst>
+                                    <p:cond delay="0"/>
+                                  </p:stCondLst>
+                                  <p:childTnLst>
+                                    <p:set>
+                                      <p:cBhvr>
+                                        <p:cTn id="31" dur="1" fill="hold">
+                                          <p:stCondLst>
+                                            <p:cond delay="0"/>
+                                          </p:stCondLst>
+                                        </p:cTn>
+                                        <p:tgtEl>
+                                          <p:spTgt spid="26">
+                                            <p:txEl>
+                                              <p:pRg st="7" end="7"/>
+                                            </p:txEl>
+                                          </p:spTgt>
+                                        </p:tgtEl>
+                                        <p:attrNameLst>
+                                          <p:attrName>style.visibility</p:attrName>
+                                        </p:attrNameLst>
+                                      </p:cBhvr>
+                                      <p:to>
+                                        <p:strVal val="visible"/>
+                                      </p:to>
+                                    </p:set>
+                                    <p:animEffect transition="in" filter="blinds(horizontal)">
+                                      <p:cBhvr>
+                                        <p:cTn id="32" dur="500"/>
+                                        <p:tgtEl>
+                                          <p:spTgt spid="26">
+                                            <p:txEl>
+                                              <p:pRg st="7" end="7"/>
+                                            </p:txEl>
+                                          </p:spTgt>
+                                        </p:tgtEl>
+                                      </p:cBhvr>
+                                    </p:animEffect>
+                                  </p:childTnLst>
+                                </p:cTn>
+                              </p:par>
+                            </p:childTnLst>
+                          </p:cTn>
+                        </p:par>
+                      </p:childTnLst>
+                    </p:cTn>
+                  </p:par>
                 </p:childTnLst>
               </p:cTn>
               <p:prevCondLst>
@@ -6464,8 +6583,21 @@
                   <a:schemeClr val="bg1"/>
                 </a:solidFill>
               </a:rPr>
-              <a:t>revolve</a:t>
-            </a:r>
+              <a:t>Revolve</a:t>
+            </a:r>
+            <a:r>
+              <a:rPr lang="zh-CN" altLang="en-US" sz="4400" dirty="0">
+                <a:solidFill>
+                  <a:schemeClr val="bg1"/>
+                </a:solidFill>
+              </a:rPr>
+              <a:t> 旋转</a:t>
+            </a:r>
+            <a:endParaRPr lang="en-US" altLang="zh-CN" sz="4400" dirty="0">
+              <a:solidFill>
+                <a:schemeClr val="bg1"/>
+              </a:solidFill>
+            </a:endParaRPr>
           </a:p>
           <a:p>
             <a:r>
@@ -6476,8 +6608,14 @@
               </a:rPr>
               <a:t>Devolve</a:t>
             </a:r>
-          </a:p>
-          <a:p>
+            <a:r>
+              <a:rPr lang="zh-CN" altLang="en-US" sz="4400" dirty="0">
+                <a:solidFill>
+                  <a:schemeClr val="bg1"/>
+                </a:solidFill>
+              </a:rPr>
+              <a:t> 转让 ， </a:t>
+            </a:r>
             <a:r>
               <a:rPr lang="en-US" altLang="zh-CN" sz="4400" dirty="0">
                 <a:solidFill>
@@ -6496,6 +6634,19 @@
               </a:rPr>
               <a:t>voluble </a:t>
             </a:r>
+            <a:r>
+              <a:rPr lang="zh-CN" altLang="en-US" sz="4400" dirty="0">
+                <a:solidFill>
+                  <a:schemeClr val="bg1"/>
+                </a:solidFill>
+              </a:rPr>
+              <a:t> 缠绕的</a:t>
+            </a:r>
+            <a:endParaRPr lang="en-US" altLang="zh-CN" sz="4400" dirty="0">
+              <a:solidFill>
+                <a:schemeClr val="bg1"/>
+              </a:solidFill>
+            </a:endParaRPr>
           </a:p>
           <a:p>
             <a:r>
@@ -6557,7 +6708,15 @@
             </a:r>
             <a:r>
               <a:rPr lang="en-US" altLang="zh-CN" dirty="0"/>
-              <a:t>  </a:t>
+              <a:t> </a:t>
+            </a:r>
+            <a:r>
+              <a:rPr lang="zh-CN" altLang="en-US" dirty="0"/>
+              <a:t> 反抗</a:t>
+            </a:r>
+            <a:r>
+              <a:rPr lang="en-US" altLang="zh-CN" dirty="0"/>
+              <a:t> </a:t>
             </a:r>
             <a:endParaRPr lang="zh-CN" altLang="en-US" dirty="0"/>
           </a:p>
@@ -6820,67 +6979,6 @@
                       </p:childTnLst>
                     </p:cTn>
                   </p:par>
-                  <p:par>
-                    <p:cTn id="23" fill="hold">
-                      <p:stCondLst>
-                        <p:cond delay="indefinite"/>
-                      </p:stCondLst>
-                      <p:childTnLst>
-                        <p:par>
-                          <p:cTn id="24" fill="hold">
-                            <p:stCondLst>
-                              <p:cond delay="0"/>
-                            </p:stCondLst>
-                            <p:childTnLst>
-                              <p:par>
-                                <p:cTn id="25" presetID="3" presetClass="entr" presetSubtype="10" fill="hold" nodeType="clickEffect">
-                                  <p:stCondLst>
-                                    <p:cond delay="0"/>
-                                  </p:stCondLst>
-                                  <p:childTnLst>
-                                    <p:set>
-                                      <p:cBhvr>
-                                        <p:cTn id="26" dur="1" fill="hold">
-                                          <p:stCondLst>
-                                            <p:cond delay="0"/>
-                                          </p:stCondLst>
-                                        </p:cTn>
-                                        <p:tgtEl>
-                                          <p:spTgt spid="26">
-                                            <p:txEl>
-                                              <p:pRg st="5" end="5"/>
-                                            </p:txEl>
-                                          </p:spTgt>
-                                        </p:tgtEl>
-                                        <p:attrNameLst>
-                                          <p:attrName>style.visibility</p:attrName>
-                                        </p:attrNameLst>
-                                      </p:cBhvr>
-                                      <p:to>
-                                        <p:strVal val="visible"/>
-                                      </p:to>
-                                    </p:set>
-                                    <p:animEffect transition="in" filter="blinds(horizontal)">
-                                      <p:cBhvr>
-                                        <p:cTn id="27" dur="500"/>
-                                        <p:tgtEl>
-                                          <p:spTgt spid="26">
-                                            <p:txEl>
-                                              <p:pRg st="5" end="5"/>
-                                            </p:txEl>
-                                          </p:spTgt>
-                                        </p:tgtEl>
-                                      </p:cBhvr>
-                                    </p:animEffect>
-                                  </p:childTnLst>
-                                </p:cTn>
-                              </p:par>
-                            </p:childTnLst>
-                          </p:cTn>
-                        </p:par>
-                      </p:childTnLst>
-                    </p:cTn>
-                  </p:par>
                 </p:childTnLst>
               </p:cTn>
               <p:prevCondLst>
@@ -7355,10 +7453,32 @@
                   <a:schemeClr val="bg1"/>
                 </a:solidFill>
               </a:rPr>
-              <a:t>hypocritical, hypercritical</a:t>
-            </a:r>
-          </a:p>
-          <a:p>
+              <a:t>Hypocritical</a:t>
+            </a:r>
+            <a:r>
+              <a:rPr lang="zh-CN" altLang="en-US" sz="4400" dirty="0">
+                <a:solidFill>
+                  <a:schemeClr val="bg1"/>
+                </a:solidFill>
+              </a:rPr>
+              <a:t> 伪善的</a:t>
+            </a:r>
+            <a:r>
+              <a:rPr lang="en-US" altLang="zh-CN" sz="4400" dirty="0">
+                <a:solidFill>
+                  <a:schemeClr val="bg1"/>
+                </a:solidFill>
+              </a:rPr>
+              <a:t>, hypercritical</a:t>
+            </a:r>
+            <a:r>
+              <a:rPr lang="zh-CN" altLang="en-US" sz="4400" dirty="0">
+                <a:solidFill>
+                  <a:schemeClr val="bg1"/>
+                </a:solidFill>
+              </a:rPr>
+              <a:t> 过于苛刻的</a:t>
+            </a:r>
             <a:endParaRPr lang="en-US" altLang="zh-CN" sz="4400" dirty="0">
               <a:solidFill>
                 <a:schemeClr val="bg1"/>
@@ -7366,6 +7486,13 @@
             </a:endParaRPr>
           </a:p>
           <a:p>
+            <a:endParaRPr lang="en-US" altLang="zh-CN" sz="4400" dirty="0">
+              <a:solidFill>
+                <a:schemeClr val="bg1"/>
+              </a:solidFill>
+            </a:endParaRPr>
+          </a:p>
+          <a:p>
             <a:r>
               <a:rPr lang="en-US" altLang="zh-CN" sz="4400" dirty="0">
                 <a:solidFill>
@@ -7374,6 +7501,19 @@
               </a:rPr>
               <a:t>hype </a:t>
             </a:r>
+            <a:r>
+              <a:rPr lang="zh-CN" altLang="en-US" sz="4400" dirty="0">
+                <a:solidFill>
+                  <a:schemeClr val="bg1"/>
+                </a:solidFill>
+              </a:rPr>
+              <a:t> 大肆宣传</a:t>
+            </a:r>
+            <a:endParaRPr lang="en-US" altLang="zh-CN" sz="4400" dirty="0">
+              <a:solidFill>
+                <a:schemeClr val="bg1"/>
+              </a:solidFill>
+            </a:endParaRPr>
           </a:p>
           <a:p>
             <a:r>
@@ -7384,6 +7524,19 @@
               </a:rPr>
               <a:t>hyperbole	</a:t>
             </a:r>
+            <a:r>
+              <a:rPr lang="zh-CN" altLang="en-US" sz="4400" dirty="0">
+                <a:solidFill>
+                  <a:schemeClr val="bg1"/>
+                </a:solidFill>
+              </a:rPr>
+              <a:t> 夸张的</a:t>
+            </a:r>
+            <a:endParaRPr lang="en-US" altLang="zh-CN" sz="4400" dirty="0">
+              <a:solidFill>
+                <a:schemeClr val="bg1"/>
+              </a:solidFill>
+            </a:endParaRPr>
           </a:p>
           <a:p>
             <a:r>
@@ -7426,6 +7579,19 @@
               </a:rPr>
               <a:t>]</a:t>
             </a:r>
+            <a:r>
+              <a:rPr lang="zh-CN" altLang="en-US" sz="4400" dirty="0">
+                <a:solidFill>
+                  <a:schemeClr val="bg1"/>
+                </a:solidFill>
+              </a:rPr>
+              <a:t>  假设</a:t>
+            </a:r>
+            <a:endParaRPr lang="en-US" altLang="zh-CN" sz="4400" dirty="0">
+              <a:solidFill>
+                <a:schemeClr val="bg1"/>
+              </a:solidFill>
+            </a:endParaRPr>
           </a:p>
         </p:txBody>
       </p:sp>
@@ -7682,16 +7848,32 @@
                   <a:schemeClr val="bg1"/>
                 </a:solidFill>
               </a:rPr>
-              <a:t>] , anarchist </a:t>
-            </a:r>
-          </a:p>
-          <a:p>
+              <a:t>]</a:t>
+            </a:r>
+            <a:r>
+              <a:rPr lang="zh-CN" altLang="en-US" sz="4400" dirty="0">
+                <a:solidFill>
+                  <a:schemeClr val="bg1"/>
+                </a:solidFill>
+              </a:rPr>
+              <a:t> 无政府状态</a:t>
+            </a:r>
             <a:r>
               <a:rPr lang="en-US" altLang="zh-CN" sz="4400" dirty="0">
                 <a:solidFill>
                   <a:schemeClr val="bg1"/>
                 </a:solidFill>
               </a:rPr>
+              <a:t> , anarchist </a:t>
+            </a:r>
+          </a:p>
+          <a:p>
+            <a:r>
+              <a:rPr lang="en-US" altLang="zh-CN" sz="4400" dirty="0">
+                <a:solidFill>
+                  <a:schemeClr val="bg1"/>
+                </a:solidFill>
+              </a:rPr>
               <a:t>archive [ˈɑ:kaɪv] </a:t>
             </a:r>
           </a:p>
@@ -7704,6 +7886,19 @@
               </a:rPr>
               <a:t>archaeology </a:t>
             </a:r>
+            <a:r>
+              <a:rPr lang="zh-CN" altLang="en-US" sz="4400" dirty="0">
+                <a:solidFill>
+                  <a:schemeClr val="bg1"/>
+                </a:solidFill>
+              </a:rPr>
+              <a:t> 考古学</a:t>
+            </a:r>
+            <a:endParaRPr lang="en-US" altLang="zh-CN" sz="4400" dirty="0">
+              <a:solidFill>
+                <a:schemeClr val="bg1"/>
+              </a:solidFill>
+            </a:endParaRPr>
           </a:p>
           <a:p>
             <a:r>
